--- a/data/submissions/slides/Saurabh Agarwal.pptx
+++ b/data/submissions/slides/Saurabh Agarwal.pptx
@@ -5,7 +5,7 @@
     <p:sldMasterId id="2147483648" r:id="rId1"/>
   </p:sldMasterIdLst>
   <p:notesMasterIdLst>
-    <p:notesMasterId r:id="rId17"/>
+    <p:notesMasterId r:id="rId19"/>
   </p:notesMasterIdLst>
   <p:sldIdLst>
     <p:sldId id="951" r:id="rId2"/>
@@ -13,16 +13,18 @@
     <p:sldId id="1072" r:id="rId4"/>
     <p:sldId id="1074" r:id="rId5"/>
     <p:sldId id="1093" r:id="rId6"/>
-    <p:sldId id="1096" r:id="rId7"/>
-    <p:sldId id="1097" r:id="rId8"/>
-    <p:sldId id="1098" r:id="rId9"/>
-    <p:sldId id="1099" r:id="rId10"/>
-    <p:sldId id="1094" r:id="rId11"/>
-    <p:sldId id="1100" r:id="rId12"/>
-    <p:sldId id="1101" r:id="rId13"/>
-    <p:sldId id="1102" r:id="rId14"/>
-    <p:sldId id="1103" r:id="rId15"/>
-    <p:sldId id="854" r:id="rId16"/>
+    <p:sldId id="1104" r:id="rId7"/>
+    <p:sldId id="1096" r:id="rId8"/>
+    <p:sldId id="1097" r:id="rId9"/>
+    <p:sldId id="1105" r:id="rId10"/>
+    <p:sldId id="1098" r:id="rId11"/>
+    <p:sldId id="1099" r:id="rId12"/>
+    <p:sldId id="1094" r:id="rId13"/>
+    <p:sldId id="1100" r:id="rId14"/>
+    <p:sldId id="1101" r:id="rId15"/>
+    <p:sldId id="1102" r:id="rId16"/>
+    <p:sldId id="1103" r:id="rId17"/>
+    <p:sldId id="854" r:id="rId18"/>
   </p:sldIdLst>
   <p:sldSz cx="9144000" cy="6858000" type="screen4x3"/>
   <p:notesSz cx="6858000" cy="9144000"/>
@@ -661,7 +663,7 @@
     </p:spTree>
     <p:extLst>
       <p:ext uri="{BB962C8B-B14F-4D97-AF65-F5344CB8AC3E}">
-        <p14:creationId xmlns:p14="http://schemas.microsoft.com/office/powerpoint/2010/main" val="1444829849"/>
+        <p14:creationId xmlns:p14="http://schemas.microsoft.com/office/powerpoint/2010/main" val="3261554165"/>
       </p:ext>
     </p:extLst>
   </p:cSld>
@@ -745,7 +747,7 @@
     </p:spTree>
     <p:extLst>
       <p:ext uri="{BB962C8B-B14F-4D97-AF65-F5344CB8AC3E}">
-        <p14:creationId xmlns:p14="http://schemas.microsoft.com/office/powerpoint/2010/main" val="5543138"/>
+        <p14:creationId xmlns:p14="http://schemas.microsoft.com/office/powerpoint/2010/main" val="4224967744"/>
       </p:ext>
     </p:extLst>
   </p:cSld>
@@ -829,7 +831,7 @@
     </p:spTree>
     <p:extLst>
       <p:ext uri="{BB962C8B-B14F-4D97-AF65-F5344CB8AC3E}">
-        <p14:creationId xmlns:p14="http://schemas.microsoft.com/office/powerpoint/2010/main" val="2813576219"/>
+        <p14:creationId xmlns:p14="http://schemas.microsoft.com/office/powerpoint/2010/main" val="1444829849"/>
       </p:ext>
     </p:extLst>
   </p:cSld>
@@ -913,7 +915,7 @@
     </p:spTree>
     <p:extLst>
       <p:ext uri="{BB962C8B-B14F-4D97-AF65-F5344CB8AC3E}">
-        <p14:creationId xmlns:p14="http://schemas.microsoft.com/office/powerpoint/2010/main" val="2078003990"/>
+        <p14:creationId xmlns:p14="http://schemas.microsoft.com/office/powerpoint/2010/main" val="5543138"/>
       </p:ext>
     </p:extLst>
   </p:cSld>
@@ -997,7 +999,7 @@
     </p:spTree>
     <p:extLst>
       <p:ext uri="{BB962C8B-B14F-4D97-AF65-F5344CB8AC3E}">
-        <p14:creationId xmlns:p14="http://schemas.microsoft.com/office/powerpoint/2010/main" val="445420359"/>
+        <p14:creationId xmlns:p14="http://schemas.microsoft.com/office/powerpoint/2010/main" val="2813576219"/>
       </p:ext>
     </p:extLst>
   </p:cSld>
@@ -1070,9 +1072,177 @@
           <a:bodyPr/>
           <a:lstStyle/>
           <a:p>
+            <a:fld id="{FA2C0B1A-A5F3-4E46-8999-3B7E7331160B}" type="slidenum">
+              <a:rPr lang="en-US" smtClean="0"/>
+              <a:t>15</a:t>
+            </a:fld>
+            <a:endParaRPr lang="en-US"/>
+          </a:p>
+        </p:txBody>
+      </p:sp>
+    </p:spTree>
+    <p:extLst>
+      <p:ext uri="{BB962C8B-B14F-4D97-AF65-F5344CB8AC3E}">
+        <p14:creationId xmlns:p14="http://schemas.microsoft.com/office/powerpoint/2010/main" val="2078003990"/>
+      </p:ext>
+    </p:extLst>
+  </p:cSld>
+  <p:clrMapOvr>
+    <a:masterClrMapping/>
+  </p:clrMapOvr>
+</p:notes>
+</file>
+
+<file path=ppt/notesSlides/notesSlide16.xml><?xml version="1.0" encoding="utf-8"?>
+<p:notes xmlns:a="http://schemas.openxmlformats.org/drawingml/2006/main" xmlns:r="http://schemas.openxmlformats.org/officeDocument/2006/relationships" xmlns:p="http://schemas.openxmlformats.org/presentationml/2006/main">
+  <p:cSld>
+    <p:spTree>
+      <p:nvGrpSpPr>
+        <p:cNvPr id="1" name=""/>
+        <p:cNvGrpSpPr/>
+        <p:nvPr/>
+      </p:nvGrpSpPr>
+      <p:grpSpPr>
+        <a:xfrm>
+          <a:off x="0" y="0"/>
+          <a:ext cx="0" cy="0"/>
+          <a:chOff x="0" y="0"/>
+          <a:chExt cx="0" cy="0"/>
+        </a:xfrm>
+      </p:grpSpPr>
+      <p:sp>
+        <p:nvSpPr>
+          <p:cNvPr id="2" name="Slide Image Placeholder 1"/>
+          <p:cNvSpPr>
+            <a:spLocks noGrp="1" noRot="1" noChangeAspect="1"/>
+          </p:cNvSpPr>
+          <p:nvPr>
+            <p:ph type="sldImg"/>
+          </p:nvPr>
+        </p:nvSpPr>
+        <p:spPr/>
+      </p:sp>
+      <p:sp>
+        <p:nvSpPr>
+          <p:cNvPr id="3" name="Notes Placeholder 2"/>
+          <p:cNvSpPr>
+            <a:spLocks noGrp="1"/>
+          </p:cNvSpPr>
+          <p:nvPr>
+            <p:ph type="body" idx="1"/>
+          </p:nvPr>
+        </p:nvSpPr>
+        <p:spPr/>
+        <p:txBody>
+          <a:bodyPr/>
+          <a:lstStyle/>
+          <a:p>
+            <a:endParaRPr lang="en-US"/>
+          </a:p>
+        </p:txBody>
+      </p:sp>
+      <p:sp>
+        <p:nvSpPr>
+          <p:cNvPr id="4" name="Slide Number Placeholder 3"/>
+          <p:cNvSpPr>
+            <a:spLocks noGrp="1"/>
+          </p:cNvSpPr>
+          <p:nvPr>
+            <p:ph type="sldNum" sz="quarter" idx="10"/>
+          </p:nvPr>
+        </p:nvSpPr>
+        <p:spPr/>
+        <p:txBody>
+          <a:bodyPr/>
+          <a:lstStyle/>
+          <a:p>
+            <a:fld id="{FA2C0B1A-A5F3-4E46-8999-3B7E7331160B}" type="slidenum">
+              <a:rPr lang="en-US" smtClean="0"/>
+              <a:t>16</a:t>
+            </a:fld>
+            <a:endParaRPr lang="en-US"/>
+          </a:p>
+        </p:txBody>
+      </p:sp>
+    </p:spTree>
+    <p:extLst>
+      <p:ext uri="{BB962C8B-B14F-4D97-AF65-F5344CB8AC3E}">
+        <p14:creationId xmlns:p14="http://schemas.microsoft.com/office/powerpoint/2010/main" val="445420359"/>
+      </p:ext>
+    </p:extLst>
+  </p:cSld>
+  <p:clrMapOvr>
+    <a:masterClrMapping/>
+  </p:clrMapOvr>
+</p:notes>
+</file>
+
+<file path=ppt/notesSlides/notesSlide17.xml><?xml version="1.0" encoding="utf-8"?>
+<p:notes xmlns:a="http://schemas.openxmlformats.org/drawingml/2006/main" xmlns:r="http://schemas.openxmlformats.org/officeDocument/2006/relationships" xmlns:p="http://schemas.openxmlformats.org/presentationml/2006/main">
+  <p:cSld>
+    <p:spTree>
+      <p:nvGrpSpPr>
+        <p:cNvPr id="1" name=""/>
+        <p:cNvGrpSpPr/>
+        <p:nvPr/>
+      </p:nvGrpSpPr>
+      <p:grpSpPr>
+        <a:xfrm>
+          <a:off x="0" y="0"/>
+          <a:ext cx="0" cy="0"/>
+          <a:chOff x="0" y="0"/>
+          <a:chExt cx="0" cy="0"/>
+        </a:xfrm>
+      </p:grpSpPr>
+      <p:sp>
+        <p:nvSpPr>
+          <p:cNvPr id="2" name="Slide Image Placeholder 1"/>
+          <p:cNvSpPr>
+            <a:spLocks noGrp="1" noRot="1" noChangeAspect="1"/>
+          </p:cNvSpPr>
+          <p:nvPr>
+            <p:ph type="sldImg"/>
+          </p:nvPr>
+        </p:nvSpPr>
+        <p:spPr/>
+      </p:sp>
+      <p:sp>
+        <p:nvSpPr>
+          <p:cNvPr id="3" name="Notes Placeholder 2"/>
+          <p:cNvSpPr>
+            <a:spLocks noGrp="1"/>
+          </p:cNvSpPr>
+          <p:nvPr>
+            <p:ph type="body" idx="1"/>
+          </p:nvPr>
+        </p:nvSpPr>
+        <p:spPr/>
+        <p:txBody>
+          <a:bodyPr/>
+          <a:lstStyle/>
+          <a:p>
+            <a:endParaRPr lang="en-US"/>
+          </a:p>
+        </p:txBody>
+      </p:sp>
+      <p:sp>
+        <p:nvSpPr>
+          <p:cNvPr id="4" name="Slide Number Placeholder 3"/>
+          <p:cNvSpPr>
+            <a:spLocks noGrp="1"/>
+          </p:cNvSpPr>
+          <p:nvPr>
+            <p:ph type="sldNum" sz="quarter" idx="10"/>
+          </p:nvPr>
+        </p:nvSpPr>
+        <p:spPr/>
+        <p:txBody>
+          <a:bodyPr/>
+          <a:lstStyle/>
+          <a:p>
             <a:fld id="{8A03F1C1-24F2-D340-9F3B-38E8C457EFD2}" type="slidenum">
               <a:rPr lang="en-US" smtClean="0"/>
-              <a:t>15</a:t>
+              <a:t>17</a:t>
             </a:fld>
             <a:endParaRPr lang="en-US"/>
           </a:p>
@@ -1501,7 +1671,7 @@
     </p:spTree>
     <p:extLst>
       <p:ext uri="{BB962C8B-B14F-4D97-AF65-F5344CB8AC3E}">
-        <p14:creationId xmlns:p14="http://schemas.microsoft.com/office/powerpoint/2010/main" val="3827660345"/>
+        <p14:creationId xmlns:p14="http://schemas.microsoft.com/office/powerpoint/2010/main" val="159682642"/>
       </p:ext>
     </p:extLst>
   </p:cSld>
@@ -1585,7 +1755,7 @@
     </p:spTree>
     <p:extLst>
       <p:ext uri="{BB962C8B-B14F-4D97-AF65-F5344CB8AC3E}">
-        <p14:creationId xmlns:p14="http://schemas.microsoft.com/office/powerpoint/2010/main" val="1773390630"/>
+        <p14:creationId xmlns:p14="http://schemas.microsoft.com/office/powerpoint/2010/main" val="3827660345"/>
       </p:ext>
     </p:extLst>
   </p:cSld>
@@ -1669,7 +1839,7 @@
     </p:spTree>
     <p:extLst>
       <p:ext uri="{BB962C8B-B14F-4D97-AF65-F5344CB8AC3E}">
-        <p14:creationId xmlns:p14="http://schemas.microsoft.com/office/powerpoint/2010/main" val="3261554165"/>
+        <p14:creationId xmlns:p14="http://schemas.microsoft.com/office/powerpoint/2010/main" val="1773390630"/>
       </p:ext>
     </p:extLst>
   </p:cSld>
@@ -1753,7 +1923,7 @@
     </p:spTree>
     <p:extLst>
       <p:ext uri="{BB962C8B-B14F-4D97-AF65-F5344CB8AC3E}">
-        <p14:creationId xmlns:p14="http://schemas.microsoft.com/office/powerpoint/2010/main" val="4224967744"/>
+        <p14:creationId xmlns:p14="http://schemas.microsoft.com/office/powerpoint/2010/main" val="1003462460"/>
       </p:ext>
     </p:extLst>
   </p:cSld>
@@ -4952,44 +5122,6 @@
           <a:chExt cx="0" cy="0"/>
         </a:xfrm>
       </p:grpSpPr>
-      <p:sp>
-        <p:nvSpPr>
-          <p:cNvPr id="10" name="TextBox 9">
-            <a:extLst>
-              <a:ext uri="{FF2B5EF4-FFF2-40B4-BE49-F238E27FC236}">
-                <a16:creationId xmlns:a16="http://schemas.microsoft.com/office/drawing/2014/main" id="{9CAD3F91-8656-CC42-9589-1E7493119F59}"/>
-              </a:ext>
-            </a:extLst>
-          </p:cNvPr>
-          <p:cNvSpPr txBox="1"/>
-          <p:nvPr/>
-        </p:nvSpPr>
-        <p:spPr>
-          <a:xfrm>
-            <a:off x="-28479" y="44428"/>
-            <a:ext cx="9144000" cy="553998"/>
-          </a:xfrm>
-          <a:prstGeom prst="rect">
-            <a:avLst/>
-          </a:prstGeom>
-          <a:noFill/>
-        </p:spPr>
-        <p:txBody>
-          <a:bodyPr wrap="square" rtlCol="0">
-            <a:spAutoFit/>
-          </a:bodyPr>
-          <a:lstStyle/>
-          <a:p>
-            <a:r>
-              <a:rPr lang="en-US" altLang="zh-CN" sz="3000" i="1" dirty="0">
-                <a:latin typeface="Gill Sans Light" panose="020B0302020104020203" pitchFamily="34" charset="-79"/>
-                <a:cs typeface="Gill Sans Light" panose="020B0302020104020203" pitchFamily="34" charset="-79"/>
-              </a:rPr>
-              <a:t>Setups in which Gradient Compression provides speedups ?</a:t>
-            </a:r>
-          </a:p>
-        </p:txBody>
-      </p:sp>
       <p:cxnSp>
         <p:nvCxnSpPr>
           <p:cNvPr id="13" name="Straight Connector 12">
@@ -5030,6 +5162,394 @@
       </p:cxnSp>
       <p:sp>
         <p:nvSpPr>
+          <p:cNvPr id="12" name="TextBox 11">
+            <a:extLst>
+              <a:ext uri="{FF2B5EF4-FFF2-40B4-BE49-F238E27FC236}">
+                <a16:creationId xmlns:a16="http://schemas.microsoft.com/office/drawing/2014/main" id="{F09BFA4D-A25E-B54C-8179-A5C1ADACE1FD}"/>
+              </a:ext>
+            </a:extLst>
+          </p:cNvPr>
+          <p:cNvSpPr txBox="1"/>
+          <p:nvPr/>
+        </p:nvSpPr>
+        <p:spPr>
+          <a:xfrm>
+            <a:off x="-28478" y="-93985"/>
+            <a:ext cx="9144000" cy="707886"/>
+          </a:xfrm>
+          <a:prstGeom prst="rect">
+            <a:avLst/>
+          </a:prstGeom>
+          <a:noFill/>
+        </p:spPr>
+        <p:txBody>
+          <a:bodyPr wrap="square" rtlCol="0">
+            <a:spAutoFit/>
+          </a:bodyPr>
+          <a:lstStyle/>
+          <a:p>
+            <a:r>
+              <a:rPr lang="en-US" altLang="zh-CN" sz="4000" i="1" dirty="0">
+                <a:latin typeface="Gill Sans Light" panose="020B0302020104020203" pitchFamily="34" charset="-79"/>
+                <a:cs typeface="Gill Sans Light" panose="020B0302020104020203" pitchFamily="34" charset="-79"/>
+              </a:rPr>
+              <a:t>Overlapping gradient compression ? </a:t>
+            </a:r>
+          </a:p>
+        </p:txBody>
+      </p:sp>
+      <p:pic>
+        <p:nvPicPr>
+          <p:cNvPr id="3" name="Picture 2">
+            <a:extLst>
+              <a:ext uri="{FF2B5EF4-FFF2-40B4-BE49-F238E27FC236}">
+                <a16:creationId xmlns:a16="http://schemas.microsoft.com/office/drawing/2014/main" id="{D8C05302-647D-404F-BC3F-6E3E922350C5}"/>
+              </a:ext>
+            </a:extLst>
+          </p:cNvPr>
+          <p:cNvPicPr>
+            <a:picLocks noChangeAspect="1"/>
+          </p:cNvPicPr>
+          <p:nvPr/>
+        </p:nvPicPr>
+        <p:blipFill>
+          <a:blip r:embed="rId3"/>
+          <a:stretch>
+            <a:fillRect/>
+          </a:stretch>
+        </p:blipFill>
+        <p:spPr>
+          <a:xfrm>
+            <a:off x="1777284" y="1051506"/>
+            <a:ext cx="5943250" cy="4128517"/>
+          </a:xfrm>
+          <a:prstGeom prst="rect">
+            <a:avLst/>
+          </a:prstGeom>
+        </p:spPr>
+      </p:pic>
+      <p:sp>
+        <p:nvSpPr>
+          <p:cNvPr id="6" name="TextBox 5">
+            <a:extLst>
+              <a:ext uri="{FF2B5EF4-FFF2-40B4-BE49-F238E27FC236}">
+                <a16:creationId xmlns:a16="http://schemas.microsoft.com/office/drawing/2014/main" id="{6E6E28E7-63DC-8B4F-8434-79E4634FC4D3}"/>
+              </a:ext>
+            </a:extLst>
+          </p:cNvPr>
+          <p:cNvSpPr txBox="1"/>
+          <p:nvPr/>
+        </p:nvSpPr>
+        <p:spPr>
+          <a:xfrm>
+            <a:off x="251584" y="5158898"/>
+            <a:ext cx="8786744" cy="830997"/>
+          </a:xfrm>
+          <a:prstGeom prst="rect">
+            <a:avLst/>
+          </a:prstGeom>
+          <a:noFill/>
+        </p:spPr>
+        <p:txBody>
+          <a:bodyPr wrap="square" rtlCol="0">
+            <a:spAutoFit/>
+          </a:bodyPr>
+          <a:lstStyle/>
+          <a:p>
+            <a:pPr algn="ctr"/>
+            <a:r>
+              <a:rPr lang="en-US" sz="2400" dirty="0">
+                <a:latin typeface="Gill Sans Light" panose="020B0302020104020203" pitchFamily="34" charset="-79"/>
+                <a:cs typeface="Gill Sans Light" panose="020B0302020104020203" pitchFamily="34" charset="-79"/>
+              </a:rPr>
+              <a:t>Overlapping Gradient Compression with computation deteriorates training time</a:t>
+            </a:r>
+          </a:p>
+        </p:txBody>
+      </p:sp>
+    </p:spTree>
+    <p:extLst>
+      <p:ext uri="{BB962C8B-B14F-4D97-AF65-F5344CB8AC3E}">
+        <p14:creationId xmlns:p14="http://schemas.microsoft.com/office/powerpoint/2010/main" val="4125866200"/>
+      </p:ext>
+    </p:extLst>
+  </p:cSld>
+  <p:clrMapOvr>
+    <a:masterClrMapping/>
+  </p:clrMapOvr>
+</p:sld>
+</file>
+
+<file path=ppt/slides/slide11.xml><?xml version="1.0" encoding="utf-8"?>
+<p:sld xmlns:a="http://schemas.openxmlformats.org/drawingml/2006/main" xmlns:r="http://schemas.openxmlformats.org/officeDocument/2006/relationships" xmlns:p="http://schemas.openxmlformats.org/presentationml/2006/main">
+  <p:cSld>
+    <p:spTree>
+      <p:nvGrpSpPr>
+        <p:cNvPr id="1" name=""/>
+        <p:cNvGrpSpPr/>
+        <p:nvPr/>
+      </p:nvGrpSpPr>
+      <p:grpSpPr>
+        <a:xfrm>
+          <a:off x="0" y="0"/>
+          <a:ext cx="0" cy="0"/>
+          <a:chOff x="0" y="0"/>
+          <a:chExt cx="0" cy="0"/>
+        </a:xfrm>
+      </p:grpSpPr>
+      <p:cxnSp>
+        <p:nvCxnSpPr>
+          <p:cNvPr id="13" name="Straight Connector 12">
+            <a:extLst>
+              <a:ext uri="{FF2B5EF4-FFF2-40B4-BE49-F238E27FC236}">
+                <a16:creationId xmlns:a16="http://schemas.microsoft.com/office/drawing/2014/main" id="{F9784E02-6225-3E4E-BD47-F6EAF754DBA5}"/>
+              </a:ext>
+            </a:extLst>
+          </p:cNvPr>
+          <p:cNvCxnSpPr>
+            <a:cxnSpLocks/>
+          </p:cNvCxnSpPr>
+          <p:nvPr/>
+        </p:nvCxnSpPr>
+        <p:spPr>
+          <a:xfrm>
+            <a:off x="53245" y="743060"/>
+            <a:ext cx="8985083" cy="16056"/>
+          </a:xfrm>
+          <a:prstGeom prst="line">
+            <a:avLst/>
+          </a:prstGeom>
+        </p:spPr>
+        <p:style>
+          <a:lnRef idx="2">
+            <a:schemeClr val="accent1"/>
+          </a:lnRef>
+          <a:fillRef idx="0">
+            <a:schemeClr val="accent1"/>
+          </a:fillRef>
+          <a:effectRef idx="1">
+            <a:schemeClr val="accent1"/>
+          </a:effectRef>
+          <a:fontRef idx="minor">
+            <a:schemeClr val="tx1"/>
+          </a:fontRef>
+        </p:style>
+      </p:cxnSp>
+      <p:sp>
+        <p:nvSpPr>
+          <p:cNvPr id="12" name="TextBox 11">
+            <a:extLst>
+              <a:ext uri="{FF2B5EF4-FFF2-40B4-BE49-F238E27FC236}">
+                <a16:creationId xmlns:a16="http://schemas.microsoft.com/office/drawing/2014/main" id="{F09BFA4D-A25E-B54C-8179-A5C1ADACE1FD}"/>
+              </a:ext>
+            </a:extLst>
+          </p:cNvPr>
+          <p:cNvSpPr txBox="1"/>
+          <p:nvPr/>
+        </p:nvSpPr>
+        <p:spPr>
+          <a:xfrm>
+            <a:off x="-28478" y="-93985"/>
+            <a:ext cx="9144000" cy="707886"/>
+          </a:xfrm>
+          <a:prstGeom prst="rect">
+            <a:avLst/>
+          </a:prstGeom>
+          <a:noFill/>
+        </p:spPr>
+        <p:txBody>
+          <a:bodyPr wrap="square" rtlCol="0">
+            <a:spAutoFit/>
+          </a:bodyPr>
+          <a:lstStyle/>
+          <a:p>
+            <a:r>
+              <a:rPr lang="en-US" altLang="zh-CN" sz="4000" i="1" dirty="0">
+                <a:latin typeface="Gill Sans Light" panose="020B0302020104020203" pitchFamily="34" charset="-79"/>
+                <a:cs typeface="Gill Sans Light" panose="020B0302020104020203" pitchFamily="34" charset="-79"/>
+              </a:rPr>
+              <a:t>Does Gradient Compression provide speedups? </a:t>
+            </a:r>
+          </a:p>
+        </p:txBody>
+      </p:sp>
+      <p:pic>
+        <p:nvPicPr>
+          <p:cNvPr id="4" name="Picture 3">
+            <a:extLst>
+              <a:ext uri="{FF2B5EF4-FFF2-40B4-BE49-F238E27FC236}">
+                <a16:creationId xmlns:a16="http://schemas.microsoft.com/office/drawing/2014/main" id="{C1121CBE-3CA3-8A4A-AF6F-57E8089DBBE2}"/>
+              </a:ext>
+            </a:extLst>
+          </p:cNvPr>
+          <p:cNvPicPr>
+            <a:picLocks noChangeAspect="1"/>
+          </p:cNvPicPr>
+          <p:nvPr/>
+        </p:nvPicPr>
+        <p:blipFill>
+          <a:blip r:embed="rId3"/>
+          <a:stretch>
+            <a:fillRect/>
+          </a:stretch>
+        </p:blipFill>
+        <p:spPr>
+          <a:xfrm>
+            <a:off x="0" y="1656509"/>
+            <a:ext cx="9144000" cy="2875280"/>
+          </a:xfrm>
+          <a:prstGeom prst="rect">
+            <a:avLst/>
+          </a:prstGeom>
+        </p:spPr>
+      </p:pic>
+      <p:sp>
+        <p:nvSpPr>
+          <p:cNvPr id="7" name="TextBox 6">
+            <a:extLst>
+              <a:ext uri="{FF2B5EF4-FFF2-40B4-BE49-F238E27FC236}">
+                <a16:creationId xmlns:a16="http://schemas.microsoft.com/office/drawing/2014/main" id="{C33EF72F-3E05-7A40-AC85-C2F57EA13A07}"/>
+              </a:ext>
+            </a:extLst>
+          </p:cNvPr>
+          <p:cNvSpPr txBox="1"/>
+          <p:nvPr/>
+        </p:nvSpPr>
+        <p:spPr>
+          <a:xfrm>
+            <a:off x="251584" y="5158898"/>
+            <a:ext cx="8786744" cy="830997"/>
+          </a:xfrm>
+          <a:prstGeom prst="rect">
+            <a:avLst/>
+          </a:prstGeom>
+          <a:noFill/>
+        </p:spPr>
+        <p:txBody>
+          <a:bodyPr wrap="square" rtlCol="0">
+            <a:spAutoFit/>
+          </a:bodyPr>
+          <a:lstStyle/>
+          <a:p>
+            <a:pPr algn="ctr"/>
+            <a:r>
+              <a:rPr lang="en-US" sz="2400" dirty="0">
+                <a:latin typeface="Gill Sans Light" panose="020B0302020104020203" pitchFamily="34" charset="-79"/>
+                <a:cs typeface="Gill Sans Light" panose="020B0302020104020203" pitchFamily="34" charset="-79"/>
+              </a:rPr>
+              <a:t>Only in 6 cases out of more than 200 configurations gradient compression provides speedup when bandwidth is ~10Gbps</a:t>
+            </a:r>
+          </a:p>
+        </p:txBody>
+      </p:sp>
+    </p:spTree>
+    <p:extLst>
+      <p:ext uri="{BB962C8B-B14F-4D97-AF65-F5344CB8AC3E}">
+        <p14:creationId xmlns:p14="http://schemas.microsoft.com/office/powerpoint/2010/main" val="3873015374"/>
+      </p:ext>
+    </p:extLst>
+  </p:cSld>
+  <p:clrMapOvr>
+    <a:masterClrMapping/>
+  </p:clrMapOvr>
+</p:sld>
+</file>
+
+<file path=ppt/slides/slide12.xml><?xml version="1.0" encoding="utf-8"?>
+<p:sld xmlns:a="http://schemas.openxmlformats.org/drawingml/2006/main" xmlns:r="http://schemas.openxmlformats.org/officeDocument/2006/relationships" xmlns:p="http://schemas.openxmlformats.org/presentationml/2006/main">
+  <p:cSld>
+    <p:spTree>
+      <p:nvGrpSpPr>
+        <p:cNvPr id="1" name=""/>
+        <p:cNvGrpSpPr/>
+        <p:nvPr/>
+      </p:nvGrpSpPr>
+      <p:grpSpPr>
+        <a:xfrm>
+          <a:off x="0" y="0"/>
+          <a:ext cx="0" cy="0"/>
+          <a:chOff x="0" y="0"/>
+          <a:chExt cx="0" cy="0"/>
+        </a:xfrm>
+      </p:grpSpPr>
+      <p:sp>
+        <p:nvSpPr>
+          <p:cNvPr id="10" name="TextBox 9">
+            <a:extLst>
+              <a:ext uri="{FF2B5EF4-FFF2-40B4-BE49-F238E27FC236}">
+                <a16:creationId xmlns:a16="http://schemas.microsoft.com/office/drawing/2014/main" id="{9CAD3F91-8656-CC42-9589-1E7493119F59}"/>
+              </a:ext>
+            </a:extLst>
+          </p:cNvPr>
+          <p:cNvSpPr txBox="1"/>
+          <p:nvPr/>
+        </p:nvSpPr>
+        <p:spPr>
+          <a:xfrm>
+            <a:off x="-28479" y="44428"/>
+            <a:ext cx="9144000" cy="553998"/>
+          </a:xfrm>
+          <a:prstGeom prst="rect">
+            <a:avLst/>
+          </a:prstGeom>
+          <a:noFill/>
+        </p:spPr>
+        <p:txBody>
+          <a:bodyPr wrap="square" rtlCol="0">
+            <a:spAutoFit/>
+          </a:bodyPr>
+          <a:lstStyle/>
+          <a:p>
+            <a:r>
+              <a:rPr lang="en-US" altLang="zh-CN" sz="3000" i="1" dirty="0">
+                <a:latin typeface="Gill Sans Light" panose="020B0302020104020203" pitchFamily="34" charset="-79"/>
+                <a:cs typeface="Gill Sans Light" panose="020B0302020104020203" pitchFamily="34" charset="-79"/>
+              </a:rPr>
+              <a:t>Setups in which Gradient Compression provides speedups ?</a:t>
+            </a:r>
+          </a:p>
+        </p:txBody>
+      </p:sp>
+      <p:cxnSp>
+        <p:nvCxnSpPr>
+          <p:cNvPr id="13" name="Straight Connector 12">
+            <a:extLst>
+              <a:ext uri="{FF2B5EF4-FFF2-40B4-BE49-F238E27FC236}">
+                <a16:creationId xmlns:a16="http://schemas.microsoft.com/office/drawing/2014/main" id="{F9784E02-6225-3E4E-BD47-F6EAF754DBA5}"/>
+              </a:ext>
+            </a:extLst>
+          </p:cNvPr>
+          <p:cNvCxnSpPr>
+            <a:cxnSpLocks/>
+          </p:cNvCxnSpPr>
+          <p:nvPr/>
+        </p:nvCxnSpPr>
+        <p:spPr>
+          <a:xfrm>
+            <a:off x="53245" y="743060"/>
+            <a:ext cx="8985083" cy="16056"/>
+          </a:xfrm>
+          <a:prstGeom prst="line">
+            <a:avLst/>
+          </a:prstGeom>
+        </p:spPr>
+        <p:style>
+          <a:lnRef idx="2">
+            <a:schemeClr val="accent1"/>
+          </a:lnRef>
+          <a:fillRef idx="0">
+            <a:schemeClr val="accent1"/>
+          </a:fillRef>
+          <a:effectRef idx="1">
+            <a:schemeClr val="accent1"/>
+          </a:effectRef>
+          <a:fontRef idx="minor">
+            <a:schemeClr val="tx1"/>
+          </a:fontRef>
+        </p:style>
+      </p:cxnSp>
+      <p:sp>
+        <p:nvSpPr>
           <p:cNvPr id="4" name="Rectangle 3">
             <a:extLst>
               <a:ext uri="{FF2B5EF4-FFF2-40B4-BE49-F238E27FC236}">
@@ -5061,7 +5581,7 @@
                 <a:latin typeface="Gill Sans Light" panose="020B0302020104020203" pitchFamily="34" charset="-79"/>
                 <a:cs typeface="Gill Sans Light" panose="020B0302020104020203" pitchFamily="34" charset="-79"/>
               </a:rPr>
-              <a:t>To study this we created an accurate analytical performance model which closely tracks the performance of actual experiments </a:t>
+              <a:t>To study this we created an analytical performance model which closely tracks the performance of actual experiments </a:t>
             </a:r>
           </a:p>
         </p:txBody>
@@ -5109,7 +5629,7 @@
 </p:sld>
 </file>
 
-<file path=ppt/slides/slide11.xml><?xml version="1.0" encoding="utf-8"?>
+<file path=ppt/slides/slide13.xml><?xml version="1.0" encoding="utf-8"?>
 <p:sld xmlns:a="http://schemas.openxmlformats.org/drawingml/2006/main" xmlns:r="http://schemas.openxmlformats.org/officeDocument/2006/relationships" xmlns:p="http://schemas.openxmlformats.org/presentationml/2006/main">
   <p:cSld>
     <p:spTree>
@@ -5284,7 +5804,7 @@
 </p:sld>
 </file>
 
-<file path=ppt/slides/slide12.xml><?xml version="1.0" encoding="utf-8"?>
+<file path=ppt/slides/slide14.xml><?xml version="1.0" encoding="utf-8"?>
 <p:sld xmlns:a="http://schemas.openxmlformats.org/drawingml/2006/main" xmlns:r="http://schemas.openxmlformats.org/officeDocument/2006/relationships" xmlns:p="http://schemas.openxmlformats.org/presentationml/2006/main">
   <p:cSld>
     <p:spTree>
@@ -5459,7 +5979,7 @@
 </p:sld>
 </file>
 
-<file path=ppt/slides/slide13.xml><?xml version="1.0" encoding="utf-8"?>
+<file path=ppt/slides/slide15.xml><?xml version="1.0" encoding="utf-8"?>
 <p:sld xmlns:a="http://schemas.openxmlformats.org/drawingml/2006/main" xmlns:r="http://schemas.openxmlformats.org/officeDocument/2006/relationships" xmlns:p="http://schemas.openxmlformats.org/presentationml/2006/main">
   <p:cSld>
     <p:spTree>
@@ -5672,7 +6192,7 @@
 </p:sld>
 </file>
 
-<file path=ppt/slides/slide14.xml><?xml version="1.0" encoding="utf-8"?>
+<file path=ppt/slides/slide16.xml><?xml version="1.0" encoding="utf-8"?>
 <p:sld xmlns:a="http://schemas.openxmlformats.org/drawingml/2006/main" xmlns:r="http://schemas.openxmlformats.org/officeDocument/2006/relationships" xmlns:p="http://schemas.openxmlformats.org/presentationml/2006/main">
   <p:cSld>
     <p:spTree>
@@ -5853,36 +6373,6 @@
           </a:p>
         </p:txBody>
       </p:sp>
-      <p:pic>
-        <p:nvPicPr>
-          <p:cNvPr id="3" name="Picture 2">
-            <a:extLst>
-              <a:ext uri="{FF2B5EF4-FFF2-40B4-BE49-F238E27FC236}">
-                <a16:creationId xmlns:a16="http://schemas.microsoft.com/office/drawing/2014/main" id="{2406DE91-973D-364D-BEF7-012C2AC4AEC1}"/>
-              </a:ext>
-            </a:extLst>
-          </p:cNvPr>
-          <p:cNvPicPr>
-            <a:picLocks noChangeAspect="1"/>
-          </p:cNvPicPr>
-          <p:nvPr/>
-        </p:nvPicPr>
-        <p:blipFill>
-          <a:blip r:embed="rId3"/>
-          <a:stretch>
-            <a:fillRect/>
-          </a:stretch>
-        </p:blipFill>
-        <p:spPr>
-          <a:xfrm>
-            <a:off x="5217148" y="3772582"/>
-            <a:ext cx="3821180" cy="2843181"/>
-          </a:xfrm>
-          <a:prstGeom prst="rect">
-            <a:avLst/>
-          </a:prstGeom>
-        </p:spPr>
-      </p:pic>
     </p:spTree>
     <p:extLst>
       <p:ext uri="{BB962C8B-B14F-4D97-AF65-F5344CB8AC3E}">
@@ -5896,7 +6386,7 @@
 </p:sld>
 </file>
 
-<file path=ppt/slides/slide15.xml><?xml version="1.0" encoding="utf-8"?>
+<file path=ppt/slides/slide17.xml><?xml version="1.0" encoding="utf-8"?>
 <p:sld xmlns:a="http://schemas.openxmlformats.org/drawingml/2006/main" xmlns:r="http://schemas.openxmlformats.org/officeDocument/2006/relationships" xmlns:p="http://schemas.openxmlformats.org/presentationml/2006/main">
   <p:cSld>
     <p:spTree>
@@ -5915,7 +6405,13 @@
       </p:grpSpPr>
       <p:sp>
         <p:nvSpPr>
-          <p:cNvPr id="141" name="Title 140"/>
+          <p:cNvPr id="4" name="Title 3">
+            <a:extLst>
+              <a:ext uri="{FF2B5EF4-FFF2-40B4-BE49-F238E27FC236}">
+                <a16:creationId xmlns:a16="http://schemas.microsoft.com/office/drawing/2014/main" id="{BBE32DB3-6266-AA46-910C-C5C1F678DBE5}"/>
+              </a:ext>
+            </a:extLst>
+          </p:cNvPr>
           <p:cNvSpPr>
             <a:spLocks noGrp="1"/>
           </p:cNvSpPr>
@@ -5923,234 +6419,31 @@
             <p:ph type="ctrTitle"/>
           </p:nvPr>
         </p:nvSpPr>
-        <p:spPr>
-          <a:xfrm>
-            <a:off x="37480" y="-197059"/>
-            <a:ext cx="9144000" cy="1470025"/>
-          </a:xfrm>
-        </p:spPr>
-        <p:txBody>
-          <a:bodyPr>
-            <a:noAutofit/>
-          </a:bodyPr>
-          <a:lstStyle/>
-          <a:p>
-            <a:r>
-              <a:rPr lang="en-US" sz="4300" dirty="0">
-                <a:solidFill>
-                  <a:srgbClr val="000000"/>
-                </a:solidFill>
-                <a:latin typeface="Gill Sans Light"/>
-                <a:cs typeface="Gill Sans Light"/>
-              </a:rPr>
-              <a:t>Conclusions</a:t>
-            </a:r>
-          </a:p>
-        </p:txBody>
-      </p:sp>
-      <p:sp>
-        <p:nvSpPr>
-          <p:cNvPr id="3" name="Rectangle 2"/>
+        <p:spPr/>
+        <p:txBody>
+          <a:bodyPr/>
+          <a:lstStyle/>
+          <a:p>
+            <a:endParaRPr lang="en-US"/>
+          </a:p>
+        </p:txBody>
+      </p:sp>
+      <p:sp>
+        <p:nvSpPr>
+          <p:cNvPr id="7" name="Rectangle 6">
+            <a:extLst>
+              <a:ext uri="{FF2B5EF4-FFF2-40B4-BE49-F238E27FC236}">
+                <a16:creationId xmlns:a16="http://schemas.microsoft.com/office/drawing/2014/main" id="{0D251D7A-D151-9743-BAD8-FFA3B14BDDC7}"/>
+              </a:ext>
+            </a:extLst>
+          </p:cNvPr>
           <p:cNvSpPr/>
           <p:nvPr/>
         </p:nvSpPr>
         <p:spPr>
           <a:xfrm>
-            <a:off x="37480" y="1792121"/>
-            <a:ext cx="8995839" cy="5401480"/>
-          </a:xfrm>
-          <a:prstGeom prst="rect">
-            <a:avLst/>
-          </a:prstGeom>
-        </p:spPr>
-        <p:txBody>
-          <a:bodyPr wrap="square">
-            <a:spAutoFit/>
-          </a:bodyPr>
-          <a:lstStyle/>
-          <a:p>
-            <a:pPr marL="342900" indent="-342900">
-              <a:buFontTx/>
-              <a:buChar char="-"/>
-            </a:pPr>
-            <a:r>
-              <a:rPr lang="en-US" sz="2300" dirty="0">
-                <a:latin typeface="Gill Sans Light"/>
-                <a:cs typeface="Gill Sans Light"/>
-              </a:rPr>
-              <a:t>Novel analysis of </a:t>
-            </a:r>
-            <a:r>
-              <a:rPr lang="en-US" sz="2300" dirty="0" err="1">
-                <a:latin typeface="Gill Sans Light"/>
-                <a:cs typeface="Gill Sans Light"/>
-              </a:rPr>
-              <a:t>minibatch</a:t>
-            </a:r>
-            <a:r>
-              <a:rPr lang="en-US" sz="2300" dirty="0">
-                <a:latin typeface="Gill Sans Light"/>
-                <a:cs typeface="Gill Sans Light"/>
-              </a:rPr>
-              <a:t> SGD based on gradient interference</a:t>
-            </a:r>
-          </a:p>
-          <a:p>
-            <a:pPr marL="342900" indent="-342900">
-              <a:buFontTx/>
-              <a:buChar char="-"/>
-            </a:pPr>
-            <a:endParaRPr lang="en-US" sz="2300" dirty="0">
-              <a:latin typeface="Gill Sans Light"/>
-              <a:cs typeface="Gill Sans Light"/>
-            </a:endParaRPr>
-          </a:p>
-          <a:p>
-            <a:pPr marL="342900" indent="-342900">
-              <a:buFontTx/>
-              <a:buChar char="-"/>
-            </a:pPr>
-            <a:r>
-              <a:rPr lang="en-US" sz="2300" dirty="0">
-                <a:latin typeface="Gill Sans Light"/>
-                <a:cs typeface="Gill Sans Light"/>
-              </a:rPr>
-              <a:t>Batch size cannot increase beyond a fundamental point</a:t>
-            </a:r>
-          </a:p>
-          <a:p>
-            <a:endParaRPr lang="en-US" sz="2300" dirty="0">
-              <a:latin typeface="Gill Sans Light"/>
-              <a:cs typeface="Gill Sans Light"/>
-            </a:endParaRPr>
-          </a:p>
-          <a:p>
-            <a:pPr marL="342900" indent="-342900">
-              <a:buFontTx/>
-              <a:buChar char="-"/>
-            </a:pPr>
-            <a:r>
-              <a:rPr lang="en-US" sz="2300" dirty="0">
-                <a:latin typeface="Gill Sans Light"/>
-                <a:cs typeface="Gill Sans Light"/>
-              </a:rPr>
-              <a:t>Tight lower bound</a:t>
-            </a:r>
-          </a:p>
-          <a:p>
-            <a:endParaRPr lang="en-US" sz="2300" dirty="0">
-              <a:latin typeface="Gill Sans Light"/>
-              <a:cs typeface="Gill Sans Light"/>
-            </a:endParaRPr>
-          </a:p>
-          <a:p>
-            <a:pPr marL="342900" indent="-342900">
-              <a:buFontTx/>
-              <a:buChar char="-"/>
-            </a:pPr>
-            <a:r>
-              <a:rPr lang="en-US" sz="2300" dirty="0">
-                <a:latin typeface="Gill Sans Light"/>
-                <a:cs typeface="Gill Sans Light"/>
-              </a:rPr>
-              <a:t>Open Problems:</a:t>
-            </a:r>
-          </a:p>
-          <a:p>
-            <a:pPr marL="342900" indent="-342900">
-              <a:buFontTx/>
-              <a:buChar char="-"/>
-            </a:pPr>
-            <a:endParaRPr lang="en-US" sz="2300" dirty="0">
-              <a:latin typeface="Gill Sans Light"/>
-              <a:cs typeface="Gill Sans Light"/>
-            </a:endParaRPr>
-          </a:p>
-          <a:p>
-            <a:pPr marL="800100" lvl="1" indent="-342900">
-              <a:buFontTx/>
-              <a:buChar char="-"/>
-            </a:pPr>
-            <a:r>
-              <a:rPr lang="en-US" sz="2300" dirty="0">
-                <a:latin typeface="Gill Sans Light"/>
-                <a:cs typeface="Gill Sans Light"/>
-              </a:rPr>
-              <a:t>Lower bound for generalization</a:t>
-            </a:r>
-          </a:p>
-          <a:p>
-            <a:pPr marL="800100" lvl="1" indent="-342900">
-              <a:buFontTx/>
-              <a:buChar char="-"/>
-            </a:pPr>
-            <a:r>
-              <a:rPr lang="en-US" sz="2300" dirty="0">
-                <a:latin typeface="Gill Sans Light"/>
-                <a:cs typeface="Gill Sans Light"/>
-              </a:rPr>
-              <a:t>Fundamental trade-off between parallelizability and statistical accuracy</a:t>
-            </a:r>
-          </a:p>
-          <a:p>
-            <a:pPr marL="800100" lvl="1" indent="-342900">
-              <a:buFontTx/>
-              <a:buChar char="-"/>
-            </a:pPr>
-            <a:r>
-              <a:rPr lang="en-US" sz="2300" dirty="0">
-                <a:latin typeface="Gill Sans Light"/>
-                <a:cs typeface="Gill Sans Light"/>
-              </a:rPr>
-              <a:t>Stragglers</a:t>
-            </a:r>
-          </a:p>
-          <a:p>
-            <a:pPr lvl="1"/>
-            <a:endParaRPr lang="en-US" sz="2300" dirty="0">
-              <a:latin typeface="Gill Sans Light"/>
-              <a:cs typeface="Gill Sans Light"/>
-            </a:endParaRPr>
-          </a:p>
-          <a:p>
-            <a:pPr lvl="1"/>
-            <a:endParaRPr lang="en-US" sz="2300" dirty="0">
-              <a:latin typeface="Gill Sans Light"/>
-              <a:cs typeface="Gill Sans Light"/>
-            </a:endParaRPr>
-          </a:p>
-          <a:p>
-            <a:pPr marL="342900" indent="-342900">
-              <a:buFontTx/>
-              <a:buChar char="-"/>
-            </a:pPr>
-            <a:endParaRPr lang="en-US" sz="2300" dirty="0">
-              <a:latin typeface="Gill Sans Light"/>
-              <a:cs typeface="Gill Sans Light"/>
-            </a:endParaRPr>
-          </a:p>
-          <a:p>
-            <a:pPr marL="342900" indent="-342900">
-              <a:buFontTx/>
-              <a:buChar char="-"/>
-            </a:pPr>
-            <a:endParaRPr lang="en-US" sz="2300" dirty="0">
-              <a:latin typeface="Gill Sans Light"/>
-              <a:cs typeface="Gill Sans Light"/>
-            </a:endParaRPr>
-          </a:p>
-        </p:txBody>
-      </p:sp>
-      <p:sp>
-        <p:nvSpPr>
-          <p:cNvPr id="5" name="Rectangle 4"/>
-          <p:cNvSpPr/>
-          <p:nvPr/>
-        </p:nvSpPr>
-        <p:spPr>
-          <a:xfrm>
-            <a:off x="-7343" y="0"/>
-            <a:ext cx="9173882" cy="6857999"/>
+            <a:off x="-7344" y="0"/>
+            <a:ext cx="9035434" cy="3600450"/>
           </a:xfrm>
           <a:prstGeom prst="rect">
             <a:avLst/>
@@ -6181,7 +6474,7 @@
           <a:lstStyle/>
           <a:p>
             <a:pPr algn="ctr"/>
-            <a:endParaRPr lang="en-US" sz="6000" b="1" u="sng">
+            <a:endParaRPr lang="en-US" sz="6000" b="1" u="sng" dirty="0">
               <a:latin typeface="Gill Sans Light"/>
               <a:cs typeface="Gill Sans Light"/>
             </a:endParaRPr>
@@ -6189,17 +6482,20 @@
           <a:p>
             <a:pPr algn="ctr"/>
             <a:r>
-              <a:rPr lang="en-US" altLang="zh-CN" sz="6000">
+              <a:rPr lang="en-US" altLang="zh-CN" sz="5500" dirty="0">
                 <a:solidFill>
                   <a:schemeClr val="tx1"/>
                 </a:solidFill>
                 <a:latin typeface="Gill Sans Light"/>
                 <a:cs typeface="Gill Sans Light"/>
               </a:rPr>
-              <a:t>Thank</a:t>
-            </a:r>
-            <a:r>
-              <a:rPr lang="zh-CN" altLang="en-US" sz="6000">
+              <a:t>More Details –</a:t>
+            </a:r>
+          </a:p>
+          <a:p>
+            <a:pPr algn="ctr"/>
+            <a:r>
+              <a:rPr lang="en-US" altLang="zh-CN" sz="5500" dirty="0">
                 <a:solidFill>
                   <a:schemeClr val="tx1"/>
                 </a:solidFill>
@@ -6209,14 +6505,25 @@
               <a:t> </a:t>
             </a:r>
             <a:r>
-              <a:rPr lang="en-US" altLang="zh-CN" sz="6000">
+              <a:rPr lang="en-US" altLang="zh-CN" sz="5500" dirty="0">
+                <a:solidFill>
+                  <a:schemeClr val="tx1"/>
+                </a:solidFill>
+                <a:latin typeface="Gill Sans Light"/>
+                <a:cs typeface="Gill Sans Light"/>
+                <a:hlinkClick r:id="rId3"/>
+              </a:rPr>
+              <a:t>https://arxiv.org/abs/2103.00543</a:t>
+            </a:r>
+            <a:r>
+              <a:rPr lang="en-US" altLang="zh-CN" sz="5500" dirty="0">
                 <a:solidFill>
                   <a:schemeClr val="tx1"/>
                 </a:solidFill>
                 <a:latin typeface="Gill Sans Light"/>
                 <a:cs typeface="Gill Sans Light"/>
               </a:rPr>
-              <a:t>you!</a:t>
+              <a:t>`</a:t>
             </a:r>
           </a:p>
         </p:txBody>
@@ -7585,7 +7892,7 @@
         <p:spPr>
           <a:xfrm>
             <a:off x="251584" y="888275"/>
-            <a:ext cx="8786744" cy="1846659"/>
+            <a:ext cx="8786744" cy="1200329"/>
           </a:xfrm>
           <a:prstGeom prst="rect">
             <a:avLst/>
@@ -7629,107 +7936,38 @@
               <a:t>Gradient Compression </a:t>
             </a:r>
           </a:p>
-          <a:p>
-            <a:endParaRPr lang="en-US" altLang="zh-CN" dirty="0">
-              <a:latin typeface="Gill Sans Light" panose="020B0302020104020203" pitchFamily="34" charset="-79"/>
-              <a:cs typeface="Gill Sans Light" panose="020B0302020104020203" pitchFamily="34" charset="-79"/>
-            </a:endParaRPr>
-          </a:p>
-          <a:p>
-            <a:pPr marL="285750" indent="-285750">
-              <a:buFont typeface="Arial" panose="020B0604020202020204" pitchFamily="34" charset="0"/>
-              <a:buChar char="•"/>
-            </a:pPr>
-            <a:r>
-              <a:rPr lang="en-US" sz="2400" dirty="0">
-                <a:latin typeface="Gill Sans Light" panose="020B0302020104020203" pitchFamily="34" charset="-79"/>
-                <a:cs typeface="Gill Sans Light" panose="020B0302020104020203" pitchFamily="34" charset="-79"/>
-              </a:rPr>
-              <a:t>Asynchronous Training </a:t>
-            </a:r>
-          </a:p>
-        </p:txBody>
-      </p:sp>
-      <p:sp>
-        <p:nvSpPr>
-          <p:cNvPr id="9" name="TextBox 8">
+        </p:txBody>
+      </p:sp>
+      <p:pic>
+        <p:nvPicPr>
+          <p:cNvPr id="4" name="Picture 3">
             <a:extLst>
               <a:ext uri="{FF2B5EF4-FFF2-40B4-BE49-F238E27FC236}">
-                <a16:creationId xmlns:a16="http://schemas.microsoft.com/office/drawing/2014/main" id="{718FC4B7-265B-AF41-990B-D9CF89B04585}"/>
+                <a16:creationId xmlns:a16="http://schemas.microsoft.com/office/drawing/2014/main" id="{E1F00B47-6ADD-7F4A-B7AB-1A043E829BE8}"/>
               </a:ext>
             </a:extLst>
           </p:cNvPr>
-          <p:cNvSpPr txBox="1"/>
+          <p:cNvPicPr>
+            <a:picLocks noChangeAspect="1"/>
+          </p:cNvPicPr>
           <p:nvPr/>
-        </p:nvSpPr>
-        <p:spPr>
-          <a:xfrm>
-            <a:off x="251584" y="3796753"/>
-            <a:ext cx="8786744" cy="1846659"/>
+        </p:nvPicPr>
+        <p:blipFill>
+          <a:blip r:embed="rId3"/>
+          <a:stretch>
+            <a:fillRect/>
+          </a:stretch>
+        </p:blipFill>
+        <p:spPr>
+          <a:xfrm>
+            <a:off x="2164903" y="2498500"/>
+            <a:ext cx="4767390" cy="3719847"/>
           </a:xfrm>
           <a:prstGeom prst="rect">
             <a:avLst/>
           </a:prstGeom>
-          <a:noFill/>
-        </p:spPr>
-        <p:txBody>
-          <a:bodyPr wrap="square" rtlCol="0">
-            <a:spAutoFit/>
-          </a:bodyPr>
-          <a:lstStyle/>
-          <a:p>
-            <a:r>
-              <a:rPr lang="en-US" altLang="zh-CN" sz="2400" dirty="0">
-                <a:latin typeface="Gill Sans Light" panose="020B0302020104020203" pitchFamily="34" charset="-79"/>
-                <a:cs typeface="Gill Sans Light" panose="020B0302020104020203" pitchFamily="34" charset="-79"/>
-              </a:rPr>
-              <a:t>System approaches - </a:t>
-            </a:r>
-          </a:p>
-          <a:p>
-            <a:pPr marL="285750" indent="-285750">
-              <a:buFont typeface="Arial" panose="020B0604020202020204" pitchFamily="34" charset="0"/>
-              <a:buChar char="•"/>
-            </a:pPr>
-            <a:endParaRPr lang="en-US" altLang="zh-CN" sz="2400" dirty="0">
-              <a:latin typeface="Gill Sans Light" panose="020B0302020104020203" pitchFamily="34" charset="-79"/>
-              <a:cs typeface="Gill Sans Light" panose="020B0302020104020203" pitchFamily="34" charset="-79"/>
-            </a:endParaRPr>
-          </a:p>
-          <a:p>
-            <a:pPr marL="285750" indent="-285750">
-              <a:buFont typeface="Arial" panose="020B0604020202020204" pitchFamily="34" charset="0"/>
-              <a:buChar char="•"/>
-            </a:pPr>
-            <a:r>
-              <a:rPr lang="en-US" altLang="zh-CN" sz="2400" dirty="0">
-                <a:latin typeface="Gill Sans Light" panose="020B0302020104020203" pitchFamily="34" charset="-79"/>
-                <a:cs typeface="Gill Sans Light" panose="020B0302020104020203" pitchFamily="34" charset="-79"/>
-              </a:rPr>
-              <a:t>Faster Synchronizing Primitives</a:t>
-            </a:r>
-          </a:p>
-          <a:p>
-            <a:endParaRPr lang="en-US" altLang="zh-CN" dirty="0">
-              <a:latin typeface="Gill Sans Light" panose="020B0302020104020203" pitchFamily="34" charset="-79"/>
-              <a:cs typeface="Gill Sans Light" panose="020B0302020104020203" pitchFamily="34" charset="-79"/>
-            </a:endParaRPr>
-          </a:p>
-          <a:p>
-            <a:pPr marL="285750" indent="-285750">
-              <a:buFont typeface="Arial" panose="020B0604020202020204" pitchFamily="34" charset="0"/>
-              <a:buChar char="•"/>
-            </a:pPr>
-            <a:r>
-              <a:rPr lang="en-US" sz="2400" dirty="0">
-                <a:latin typeface="Gill Sans Light" panose="020B0302020104020203" pitchFamily="34" charset="-79"/>
-                <a:cs typeface="Gill Sans Light" panose="020B0302020104020203" pitchFamily="34" charset="-79"/>
-              </a:rPr>
-              <a:t>Overlapping gradient synchronization with computation</a:t>
-            </a:r>
-          </a:p>
-        </p:txBody>
-      </p:sp>
+        </p:spPr>
+      </p:pic>
     </p:spTree>
     <p:extLst>
       <p:ext uri="{BB962C8B-B14F-4D97-AF65-F5344CB8AC3E}">
@@ -7760,6 +7998,44 @@
           <a:chExt cx="0" cy="0"/>
         </a:xfrm>
       </p:grpSpPr>
+      <p:sp>
+        <p:nvSpPr>
+          <p:cNvPr id="10" name="TextBox 9">
+            <a:extLst>
+              <a:ext uri="{FF2B5EF4-FFF2-40B4-BE49-F238E27FC236}">
+                <a16:creationId xmlns:a16="http://schemas.microsoft.com/office/drawing/2014/main" id="{9CAD3F91-8656-CC42-9589-1E7493119F59}"/>
+              </a:ext>
+            </a:extLst>
+          </p:cNvPr>
+          <p:cNvSpPr txBox="1"/>
+          <p:nvPr/>
+        </p:nvSpPr>
+        <p:spPr>
+          <a:xfrm>
+            <a:off x="-28478" y="-93985"/>
+            <a:ext cx="9144000" cy="707886"/>
+          </a:xfrm>
+          <a:prstGeom prst="rect">
+            <a:avLst/>
+          </a:prstGeom>
+          <a:noFill/>
+        </p:spPr>
+        <p:txBody>
+          <a:bodyPr wrap="square" rtlCol="0">
+            <a:spAutoFit/>
+          </a:bodyPr>
+          <a:lstStyle/>
+          <a:p>
+            <a:r>
+              <a:rPr lang="en-US" altLang="zh-CN" sz="4000" i="1" dirty="0">
+                <a:latin typeface="Gill Sans Light" panose="020B0302020104020203" pitchFamily="34" charset="-79"/>
+                <a:cs typeface="Gill Sans Light" panose="020B0302020104020203" pitchFamily="34" charset="-79"/>
+              </a:rPr>
+              <a:t>Reducing communication overhead?</a:t>
+            </a:r>
+          </a:p>
+        </p:txBody>
+      </p:sp>
       <p:cxnSp>
         <p:nvCxnSpPr>
           <p:cNvPr id="13" name="Straight Connector 12">
@@ -7800,10 +8076,10 @@
       </p:cxnSp>
       <p:sp>
         <p:nvSpPr>
-          <p:cNvPr id="11" name="TextBox 10">
+          <p:cNvPr id="9" name="TextBox 8">
             <a:extLst>
               <a:ext uri="{FF2B5EF4-FFF2-40B4-BE49-F238E27FC236}">
-                <a16:creationId xmlns:a16="http://schemas.microsoft.com/office/drawing/2014/main" id="{9351DC27-9064-3D4A-8084-AC74EAA7AB4E}"/>
+                <a16:creationId xmlns:a16="http://schemas.microsoft.com/office/drawing/2014/main" id="{718FC4B7-265B-AF41-990B-D9CF89B04585}"/>
               </a:ext>
             </a:extLst>
           </p:cNvPr>
@@ -7812,8 +8088,8 @@
         </p:nvSpPr>
         <p:spPr>
           <a:xfrm>
-            <a:off x="150150" y="1311130"/>
-            <a:ext cx="8786744" cy="830997"/>
+            <a:off x="150150" y="1053553"/>
+            <a:ext cx="8786744" cy="1846659"/>
           </a:xfrm>
           <a:prstGeom prst="rect">
             <a:avLst/>
@@ -7827,133 +8103,91 @@
           <a:lstStyle/>
           <a:p>
             <a:r>
+              <a:rPr lang="en-US" altLang="zh-CN" sz="2400" dirty="0">
+                <a:latin typeface="Gill Sans Light" panose="020B0302020104020203" pitchFamily="34" charset="-79"/>
+                <a:cs typeface="Gill Sans Light" panose="020B0302020104020203" pitchFamily="34" charset="-79"/>
+              </a:rPr>
+              <a:t>System approaches - </a:t>
+            </a:r>
+          </a:p>
+          <a:p>
+            <a:pPr marL="285750" indent="-285750">
+              <a:buFont typeface="Arial" panose="020B0604020202020204" pitchFamily="34" charset="0"/>
+              <a:buChar char="•"/>
+            </a:pPr>
+            <a:endParaRPr lang="en-US" altLang="zh-CN" sz="2400" dirty="0">
+              <a:latin typeface="Gill Sans Light" panose="020B0302020104020203" pitchFamily="34" charset="-79"/>
+              <a:cs typeface="Gill Sans Light" panose="020B0302020104020203" pitchFamily="34" charset="-79"/>
+            </a:endParaRPr>
+          </a:p>
+          <a:p>
+            <a:pPr marL="285750" indent="-285750">
+              <a:buFont typeface="Arial" panose="020B0604020202020204" pitchFamily="34" charset="0"/>
+              <a:buChar char="•"/>
+            </a:pPr>
+            <a:r>
+              <a:rPr lang="en-US" altLang="zh-CN" sz="2400" dirty="0">
+                <a:latin typeface="Gill Sans Light" panose="020B0302020104020203" pitchFamily="34" charset="-79"/>
+                <a:cs typeface="Gill Sans Light" panose="020B0302020104020203" pitchFamily="34" charset="-79"/>
+              </a:rPr>
+              <a:t>Faster Synchronizing Primitives – NCCL all-reduce ..</a:t>
+            </a:r>
+          </a:p>
+          <a:p>
+            <a:endParaRPr lang="en-US" altLang="zh-CN" dirty="0">
+              <a:latin typeface="Gill Sans Light" panose="020B0302020104020203" pitchFamily="34" charset="-79"/>
+              <a:cs typeface="Gill Sans Light" panose="020B0302020104020203" pitchFamily="34" charset="-79"/>
+            </a:endParaRPr>
+          </a:p>
+          <a:p>
+            <a:pPr marL="285750" indent="-285750">
+              <a:buFont typeface="Arial" panose="020B0604020202020204" pitchFamily="34" charset="0"/>
+              <a:buChar char="•"/>
+            </a:pPr>
+            <a:r>
               <a:rPr lang="en-US" sz="2400" dirty="0">
                 <a:latin typeface="Gill Sans Light" panose="020B0302020104020203" pitchFamily="34" charset="-79"/>
                 <a:cs typeface="Gill Sans Light" panose="020B0302020104020203" pitchFamily="34" charset="-79"/>
               </a:rPr>
-              <a:t>Can gradient compression techniques benefit from system optimization techniques ?</a:t>
-            </a:r>
-          </a:p>
-        </p:txBody>
-      </p:sp>
-      <p:sp>
-        <p:nvSpPr>
-          <p:cNvPr id="12" name="TextBox 11">
+              <a:t>Overlapping gradient synchronization with computation</a:t>
+            </a:r>
+          </a:p>
+        </p:txBody>
+      </p:sp>
+      <p:pic>
+        <p:nvPicPr>
+          <p:cNvPr id="2" name="Picture 1">
             <a:extLst>
               <a:ext uri="{FF2B5EF4-FFF2-40B4-BE49-F238E27FC236}">
-                <a16:creationId xmlns:a16="http://schemas.microsoft.com/office/drawing/2014/main" id="{F09BFA4D-A25E-B54C-8179-A5C1ADACE1FD}"/>
+                <a16:creationId xmlns:a16="http://schemas.microsoft.com/office/drawing/2014/main" id="{427C6423-2E53-E449-B1FA-6967720927E6}"/>
               </a:ext>
             </a:extLst>
           </p:cNvPr>
-          <p:cNvSpPr txBox="1"/>
+          <p:cNvPicPr>
+            <a:picLocks noChangeAspect="1"/>
+          </p:cNvPicPr>
           <p:nvPr/>
-        </p:nvSpPr>
-        <p:spPr>
-          <a:xfrm>
-            <a:off x="-28478" y="-93985"/>
-            <a:ext cx="9144000" cy="707886"/>
+        </p:nvPicPr>
+        <p:blipFill>
+          <a:blip r:embed="rId3"/>
+          <a:stretch>
+            <a:fillRect/>
+          </a:stretch>
+        </p:blipFill>
+        <p:spPr>
+          <a:xfrm>
+            <a:off x="475982" y="3101886"/>
+            <a:ext cx="6736187" cy="3009585"/>
           </a:xfrm>
           <a:prstGeom prst="rect">
             <a:avLst/>
           </a:prstGeom>
-          <a:noFill/>
-        </p:spPr>
-        <p:txBody>
-          <a:bodyPr wrap="square" rtlCol="0">
-            <a:spAutoFit/>
-          </a:bodyPr>
-          <a:lstStyle/>
-          <a:p>
-            <a:r>
-              <a:rPr lang="en-US" altLang="zh-CN" sz="4000" i="1" dirty="0">
-                <a:latin typeface="Gill Sans Light" panose="020B0302020104020203" pitchFamily="34" charset="-79"/>
-                <a:cs typeface="Gill Sans Light" panose="020B0302020104020203" pitchFamily="34" charset="-79"/>
-              </a:rPr>
-              <a:t>Questions we aim to answer</a:t>
-            </a:r>
-          </a:p>
-        </p:txBody>
-      </p:sp>
-      <p:sp>
-        <p:nvSpPr>
-          <p:cNvPr id="14" name="TextBox 13">
-            <a:extLst>
-              <a:ext uri="{FF2B5EF4-FFF2-40B4-BE49-F238E27FC236}">
-                <a16:creationId xmlns:a16="http://schemas.microsoft.com/office/drawing/2014/main" id="{EC0216FA-7A2A-3345-B882-CBEB5B910C2A}"/>
-              </a:ext>
-            </a:extLst>
-          </p:cNvPr>
-          <p:cNvSpPr txBox="1"/>
-          <p:nvPr/>
-        </p:nvSpPr>
-        <p:spPr>
-          <a:xfrm>
-            <a:off x="150150" y="2939940"/>
-            <a:ext cx="8786744" cy="830997"/>
-          </a:xfrm>
-          <a:prstGeom prst="rect">
-            <a:avLst/>
-          </a:prstGeom>
-          <a:noFill/>
-        </p:spPr>
-        <p:txBody>
-          <a:bodyPr wrap="square" rtlCol="0">
-            <a:spAutoFit/>
-          </a:bodyPr>
-          <a:lstStyle/>
-          <a:p>
-            <a:r>
-              <a:rPr lang="en-US" sz="2400" dirty="0">
-                <a:latin typeface="Gill Sans Light" panose="020B0302020104020203" pitchFamily="34" charset="-79"/>
-                <a:cs typeface="Gill Sans Light" panose="020B0302020104020203" pitchFamily="34" charset="-79"/>
-              </a:rPr>
-              <a:t>Does gradient compression provide reduction in training time in standard training setups ?</a:t>
-            </a:r>
-          </a:p>
-        </p:txBody>
-      </p:sp>
-      <p:sp>
-        <p:nvSpPr>
-          <p:cNvPr id="16" name="TextBox 15">
-            <a:extLst>
-              <a:ext uri="{FF2B5EF4-FFF2-40B4-BE49-F238E27FC236}">
-                <a16:creationId xmlns:a16="http://schemas.microsoft.com/office/drawing/2014/main" id="{88673587-0731-DA48-B895-DCECD54622FC}"/>
-              </a:ext>
-            </a:extLst>
-          </p:cNvPr>
-          <p:cNvSpPr txBox="1"/>
-          <p:nvPr/>
-        </p:nvSpPr>
-        <p:spPr>
-          <a:xfrm>
-            <a:off x="150150" y="4301854"/>
-            <a:ext cx="8786744" cy="830997"/>
-          </a:xfrm>
-          <a:prstGeom prst="rect">
-            <a:avLst/>
-          </a:prstGeom>
-          <a:noFill/>
-        </p:spPr>
-        <p:txBody>
-          <a:bodyPr wrap="square" rtlCol="0">
-            <a:spAutoFit/>
-          </a:bodyPr>
-          <a:lstStyle/>
-          <a:p>
-            <a:r>
-              <a:rPr lang="en-US" sz="2400" dirty="0">
-                <a:latin typeface="Gill Sans Light" panose="020B0302020104020203" pitchFamily="34" charset="-79"/>
-                <a:cs typeface="Gill Sans Light" panose="020B0302020104020203" pitchFamily="34" charset="-79"/>
-              </a:rPr>
-              <a:t>Under what conditions do gradient compression methods provide speedups over off the shelf system libraries ? </a:t>
-            </a:r>
-          </a:p>
-        </p:txBody>
-      </p:sp>
+        </p:spPr>
+      </p:pic>
     </p:spTree>
     <p:extLst>
       <p:ext uri="{BB962C8B-B14F-4D97-AF65-F5344CB8AC3E}">
-        <p14:creationId xmlns:p14="http://schemas.microsoft.com/office/powerpoint/2010/main" val="2715498689"/>
+        <p14:creationId xmlns:p14="http://schemas.microsoft.com/office/powerpoint/2010/main" val="1049297101"/>
       </p:ext>
     </p:extLst>
   </p:cSld>
@@ -8020,6 +8254,44 @@
       </p:cxnSp>
       <p:sp>
         <p:nvSpPr>
+          <p:cNvPr id="11" name="TextBox 10">
+            <a:extLst>
+              <a:ext uri="{FF2B5EF4-FFF2-40B4-BE49-F238E27FC236}">
+                <a16:creationId xmlns:a16="http://schemas.microsoft.com/office/drawing/2014/main" id="{9351DC27-9064-3D4A-8084-AC74EAA7AB4E}"/>
+              </a:ext>
+            </a:extLst>
+          </p:cNvPr>
+          <p:cNvSpPr txBox="1"/>
+          <p:nvPr/>
+        </p:nvSpPr>
+        <p:spPr>
+          <a:xfrm>
+            <a:off x="150150" y="1311130"/>
+            <a:ext cx="8786744" cy="830997"/>
+          </a:xfrm>
+          <a:prstGeom prst="rect">
+            <a:avLst/>
+          </a:prstGeom>
+          <a:noFill/>
+        </p:spPr>
+        <p:txBody>
+          <a:bodyPr wrap="square" rtlCol="0">
+            <a:spAutoFit/>
+          </a:bodyPr>
+          <a:lstStyle/>
+          <a:p>
+            <a:r>
+              <a:rPr lang="en-US" sz="2400" dirty="0">
+                <a:latin typeface="Gill Sans Light" panose="020B0302020104020203" pitchFamily="34" charset="-79"/>
+                <a:cs typeface="Gill Sans Light" panose="020B0302020104020203" pitchFamily="34" charset="-79"/>
+              </a:rPr>
+              <a:t>Do gradient compression techniques benefit from system optimization techniques ?</a:t>
+            </a:r>
+          </a:p>
+        </p:txBody>
+      </p:sp>
+      <p:sp>
+        <p:nvSpPr>
           <p:cNvPr id="12" name="TextBox 11">
             <a:extLst>
               <a:ext uri="{FF2B5EF4-FFF2-40B4-BE49-F238E27FC236}">
@@ -8051,45 +8323,91 @@
                 <a:latin typeface="Gill Sans Light" panose="020B0302020104020203" pitchFamily="34" charset="-79"/>
                 <a:cs typeface="Gill Sans Light" panose="020B0302020104020203" pitchFamily="34" charset="-79"/>
               </a:rPr>
-              <a:t>Methodology  </a:t>
-            </a:r>
-          </a:p>
-        </p:txBody>
-      </p:sp>
-      <p:pic>
-        <p:nvPicPr>
-          <p:cNvPr id="3" name="Picture 2">
+              <a:t>Questions we aim to answer</a:t>
+            </a:r>
+          </a:p>
+        </p:txBody>
+      </p:sp>
+      <p:sp>
+        <p:nvSpPr>
+          <p:cNvPr id="14" name="TextBox 13">
             <a:extLst>
               <a:ext uri="{FF2B5EF4-FFF2-40B4-BE49-F238E27FC236}">
-                <a16:creationId xmlns:a16="http://schemas.microsoft.com/office/drawing/2014/main" id="{48ABB006-0130-3746-8D8A-5E499C088AD7}"/>
+                <a16:creationId xmlns:a16="http://schemas.microsoft.com/office/drawing/2014/main" id="{EC0216FA-7A2A-3345-B882-CBEB5B910C2A}"/>
               </a:ext>
             </a:extLst>
           </p:cNvPr>
-          <p:cNvPicPr>
-            <a:picLocks noChangeAspect="1"/>
-          </p:cNvPicPr>
+          <p:cNvSpPr txBox="1"/>
           <p:nvPr/>
-        </p:nvPicPr>
-        <p:blipFill>
-          <a:blip r:embed="rId3"/>
-          <a:stretch>
-            <a:fillRect/>
-          </a:stretch>
-        </p:blipFill>
-        <p:spPr>
-          <a:xfrm>
-            <a:off x="1755872" y="1754656"/>
-            <a:ext cx="5575300" cy="2730500"/>
+        </p:nvSpPr>
+        <p:spPr>
+          <a:xfrm>
+            <a:off x="150150" y="2939940"/>
+            <a:ext cx="8786744" cy="830997"/>
           </a:xfrm>
           <a:prstGeom prst="rect">
             <a:avLst/>
           </a:prstGeom>
-        </p:spPr>
-      </p:pic>
+          <a:noFill/>
+        </p:spPr>
+        <p:txBody>
+          <a:bodyPr wrap="square" rtlCol="0">
+            <a:spAutoFit/>
+          </a:bodyPr>
+          <a:lstStyle/>
+          <a:p>
+            <a:r>
+              <a:rPr lang="en-US" sz="2400" dirty="0">
+                <a:latin typeface="Gill Sans Light" panose="020B0302020104020203" pitchFamily="34" charset="-79"/>
+                <a:cs typeface="Gill Sans Light" panose="020B0302020104020203" pitchFamily="34" charset="-79"/>
+              </a:rPr>
+              <a:t>Does gradient compression provide reduction in training time in standard training setups ?</a:t>
+            </a:r>
+          </a:p>
+        </p:txBody>
+      </p:sp>
+      <p:sp>
+        <p:nvSpPr>
+          <p:cNvPr id="16" name="TextBox 15">
+            <a:extLst>
+              <a:ext uri="{FF2B5EF4-FFF2-40B4-BE49-F238E27FC236}">
+                <a16:creationId xmlns:a16="http://schemas.microsoft.com/office/drawing/2014/main" id="{88673587-0731-DA48-B895-DCECD54622FC}"/>
+              </a:ext>
+            </a:extLst>
+          </p:cNvPr>
+          <p:cNvSpPr txBox="1"/>
+          <p:nvPr/>
+        </p:nvSpPr>
+        <p:spPr>
+          <a:xfrm>
+            <a:off x="150150" y="4301854"/>
+            <a:ext cx="8786744" cy="830997"/>
+          </a:xfrm>
+          <a:prstGeom prst="rect">
+            <a:avLst/>
+          </a:prstGeom>
+          <a:noFill/>
+        </p:spPr>
+        <p:txBody>
+          <a:bodyPr wrap="square" rtlCol="0">
+            <a:spAutoFit/>
+          </a:bodyPr>
+          <a:lstStyle/>
+          <a:p>
+            <a:r>
+              <a:rPr lang="en-US" sz="2400" dirty="0">
+                <a:latin typeface="Gill Sans Light" panose="020B0302020104020203" pitchFamily="34" charset="-79"/>
+                <a:cs typeface="Gill Sans Light" panose="020B0302020104020203" pitchFamily="34" charset="-79"/>
+              </a:rPr>
+              <a:t>Under what conditions do gradient compression methods provide speedups over off the shelf system libraries ? </a:t>
+            </a:r>
+          </a:p>
+        </p:txBody>
+      </p:sp>
     </p:spTree>
     <p:extLst>
       <p:ext uri="{BB962C8B-B14F-4D97-AF65-F5344CB8AC3E}">
-        <p14:creationId xmlns:p14="http://schemas.microsoft.com/office/powerpoint/2010/main" val="2845774161"/>
+        <p14:creationId xmlns:p14="http://schemas.microsoft.com/office/powerpoint/2010/main" val="2715498689"/>
       </p:ext>
     </p:extLst>
   </p:cSld>
@@ -8187,7 +8505,7 @@
                 <a:latin typeface="Gill Sans Light" panose="020B0302020104020203" pitchFamily="34" charset="-79"/>
                 <a:cs typeface="Gill Sans Light" panose="020B0302020104020203" pitchFamily="34" charset="-79"/>
               </a:rPr>
-              <a:t>Overlapping gradient compression ? </a:t>
+              <a:t>Methodology  </a:t>
             </a:r>
           </a:p>
         </p:txBody>
@@ -8197,7 +8515,7 @@
           <p:cNvPr id="3" name="Picture 2">
             <a:extLst>
               <a:ext uri="{FF2B5EF4-FFF2-40B4-BE49-F238E27FC236}">
-                <a16:creationId xmlns:a16="http://schemas.microsoft.com/office/drawing/2014/main" id="{D8C05302-647D-404F-BC3F-6E3E922350C5}"/>
+                <a16:creationId xmlns:a16="http://schemas.microsoft.com/office/drawing/2014/main" id="{48ABB006-0130-3746-8D8A-5E499C088AD7}"/>
               </a:ext>
             </a:extLst>
           </p:cNvPr>
@@ -8214,8 +8532,8 @@
         </p:blipFill>
         <p:spPr>
           <a:xfrm>
-            <a:off x="1777284" y="1051506"/>
-            <a:ext cx="5943250" cy="4128517"/>
+            <a:off x="1292458" y="1213745"/>
+            <a:ext cx="6515232" cy="3190831"/>
           </a:xfrm>
           <a:prstGeom prst="rect">
             <a:avLst/>
@@ -8224,47 +8542,158 @@
       </p:pic>
       <p:sp>
         <p:nvSpPr>
-          <p:cNvPr id="6" name="TextBox 5">
+          <p:cNvPr id="4" name="Rounded Rectangle 3">
             <a:extLst>
               <a:ext uri="{FF2B5EF4-FFF2-40B4-BE49-F238E27FC236}">
-                <a16:creationId xmlns:a16="http://schemas.microsoft.com/office/drawing/2014/main" id="{6E6E28E7-63DC-8B4F-8434-79E4634FC4D3}"/>
+                <a16:creationId xmlns:a16="http://schemas.microsoft.com/office/drawing/2014/main" id="{680750C3-3E65-0D46-9F3D-DD38DEECC5D3}"/>
               </a:ext>
             </a:extLst>
           </p:cNvPr>
-          <p:cNvSpPr txBox="1"/>
+          <p:cNvSpPr/>
           <p:nvPr/>
         </p:nvSpPr>
         <p:spPr>
           <a:xfrm>
-            <a:off x="251584" y="5158898"/>
-            <a:ext cx="8786744" cy="830997"/>
-          </a:xfrm>
-          <a:prstGeom prst="rect">
+            <a:off x="2756079" y="1622740"/>
+            <a:ext cx="4082603" cy="309093"/>
+          </a:xfrm>
+          <a:prstGeom prst="roundRect">
             <a:avLst/>
           </a:prstGeom>
           <a:noFill/>
-        </p:spPr>
-        <p:txBody>
-          <a:bodyPr wrap="square" rtlCol="0">
-            <a:spAutoFit/>
-          </a:bodyPr>
+          <a:ln w="28575">
+            <a:solidFill>
+              <a:srgbClr val="00B050"/>
+            </a:solidFill>
+          </a:ln>
+        </p:spPr>
+        <p:style>
+          <a:lnRef idx="1">
+            <a:schemeClr val="accent1"/>
+          </a:lnRef>
+          <a:fillRef idx="3">
+            <a:schemeClr val="accent1"/>
+          </a:fillRef>
+          <a:effectRef idx="2">
+            <a:schemeClr val="accent1"/>
+          </a:effectRef>
+          <a:fontRef idx="minor">
+            <a:schemeClr val="lt1"/>
+          </a:fontRef>
+        </p:style>
+        <p:txBody>
+          <a:bodyPr rtlCol="0" anchor="ctr"/>
           <a:lstStyle/>
           <a:p>
             <a:pPr algn="ctr"/>
-            <a:r>
-              <a:rPr lang="en-US" sz="2400" dirty="0">
-                <a:latin typeface="Gill Sans Light" panose="020B0302020104020203" pitchFamily="34" charset="-79"/>
-                <a:cs typeface="Gill Sans Light" panose="020B0302020104020203" pitchFamily="34" charset="-79"/>
-              </a:rPr>
-              <a:t>Overlapping Gradient Compression with computation deteriorates training time</a:t>
-            </a:r>
+            <a:endParaRPr lang="en-US"/>
+          </a:p>
+        </p:txBody>
+      </p:sp>
+      <p:sp>
+        <p:nvSpPr>
+          <p:cNvPr id="10" name="Rounded Rectangle 9">
+            <a:extLst>
+              <a:ext uri="{FF2B5EF4-FFF2-40B4-BE49-F238E27FC236}">
+                <a16:creationId xmlns:a16="http://schemas.microsoft.com/office/drawing/2014/main" id="{476D10B0-2FDA-7746-90A2-714CDAD65454}"/>
+              </a:ext>
+            </a:extLst>
+          </p:cNvPr>
+          <p:cNvSpPr/>
+          <p:nvPr/>
+        </p:nvSpPr>
+        <p:spPr>
+          <a:xfrm>
+            <a:off x="2728173" y="2766814"/>
+            <a:ext cx="4082603" cy="309093"/>
+          </a:xfrm>
+          <a:prstGeom prst="roundRect">
+            <a:avLst/>
+          </a:prstGeom>
+          <a:noFill/>
+          <a:ln w="28575">
+            <a:solidFill>
+              <a:srgbClr val="00B050"/>
+            </a:solidFill>
+          </a:ln>
+        </p:spPr>
+        <p:style>
+          <a:lnRef idx="1">
+            <a:schemeClr val="accent1"/>
+          </a:lnRef>
+          <a:fillRef idx="3">
+            <a:schemeClr val="accent1"/>
+          </a:fillRef>
+          <a:effectRef idx="2">
+            <a:schemeClr val="accent1"/>
+          </a:effectRef>
+          <a:fontRef idx="minor">
+            <a:schemeClr val="lt1"/>
+          </a:fontRef>
+        </p:style>
+        <p:txBody>
+          <a:bodyPr rtlCol="0" anchor="ctr"/>
+          <a:lstStyle/>
+          <a:p>
+            <a:pPr algn="ctr"/>
+            <a:endParaRPr lang="en-US"/>
+          </a:p>
+        </p:txBody>
+      </p:sp>
+      <p:sp>
+        <p:nvSpPr>
+          <p:cNvPr id="15" name="Rounded Rectangle 14">
+            <a:extLst>
+              <a:ext uri="{FF2B5EF4-FFF2-40B4-BE49-F238E27FC236}">
+                <a16:creationId xmlns:a16="http://schemas.microsoft.com/office/drawing/2014/main" id="{E39CB9CE-4533-BE44-91C4-1AABDC6BA5D5}"/>
+              </a:ext>
+            </a:extLst>
+          </p:cNvPr>
+          <p:cNvSpPr/>
+          <p:nvPr/>
+        </p:nvSpPr>
+        <p:spPr>
+          <a:xfrm>
+            <a:off x="2738904" y="3653312"/>
+            <a:ext cx="4082603" cy="309093"/>
+          </a:xfrm>
+          <a:prstGeom prst="roundRect">
+            <a:avLst/>
+          </a:prstGeom>
+          <a:noFill/>
+          <a:ln w="28575">
+            <a:solidFill>
+              <a:srgbClr val="00B050"/>
+            </a:solidFill>
+          </a:ln>
+        </p:spPr>
+        <p:style>
+          <a:lnRef idx="1">
+            <a:schemeClr val="accent1"/>
+          </a:lnRef>
+          <a:fillRef idx="3">
+            <a:schemeClr val="accent1"/>
+          </a:fillRef>
+          <a:effectRef idx="2">
+            <a:schemeClr val="accent1"/>
+          </a:effectRef>
+          <a:fontRef idx="minor">
+            <a:schemeClr val="lt1"/>
+          </a:fontRef>
+        </p:style>
+        <p:txBody>
+          <a:bodyPr rtlCol="0" anchor="ctr"/>
+          <a:lstStyle/>
+          <a:p>
+            <a:pPr algn="ctr"/>
+            <a:endParaRPr lang="en-US"/>
           </a:p>
         </p:txBody>
       </p:sp>
     </p:spTree>
     <p:extLst>
       <p:ext uri="{BB962C8B-B14F-4D97-AF65-F5344CB8AC3E}">
-        <p14:creationId xmlns:p14="http://schemas.microsoft.com/office/powerpoint/2010/main" val="4125866200"/>
+        <p14:creationId xmlns:p14="http://schemas.microsoft.com/office/powerpoint/2010/main" val="2845774161"/>
       </p:ext>
     </p:extLst>
   </p:cSld>
@@ -8362,17 +8791,17 @@
                 <a:latin typeface="Gill Sans Light" panose="020B0302020104020203" pitchFamily="34" charset="-79"/>
                 <a:cs typeface="Gill Sans Light" panose="020B0302020104020203" pitchFamily="34" charset="-79"/>
               </a:rPr>
-              <a:t>Does Gradient Compression provide speedups? </a:t>
+              <a:t>Methodology  </a:t>
             </a:r>
           </a:p>
         </p:txBody>
       </p:sp>
       <p:pic>
         <p:nvPicPr>
-          <p:cNvPr id="4" name="Picture 3">
+          <p:cNvPr id="2" name="Picture 1">
             <a:extLst>
               <a:ext uri="{FF2B5EF4-FFF2-40B4-BE49-F238E27FC236}">
-                <a16:creationId xmlns:a16="http://schemas.microsoft.com/office/drawing/2014/main" id="{C1121CBE-3CA3-8A4A-AF6F-57E8089DBBE2}"/>
+                <a16:creationId xmlns:a16="http://schemas.microsoft.com/office/drawing/2014/main" id="{C9F32A78-D91D-8944-BBB1-24F0DCB65FB3}"/>
               </a:ext>
             </a:extLst>
           </p:cNvPr>
@@ -8389,8 +8818,8 @@
         </p:blipFill>
         <p:spPr>
           <a:xfrm>
-            <a:off x="0" y="1656509"/>
-            <a:ext cx="9144000" cy="2875280"/>
+            <a:off x="53246" y="1602436"/>
+            <a:ext cx="3527082" cy="1358542"/>
           </a:xfrm>
           <a:prstGeom prst="rect">
             <a:avLst/>
@@ -8399,10 +8828,10 @@
       </p:pic>
       <p:sp>
         <p:nvSpPr>
-          <p:cNvPr id="7" name="TextBox 6">
+          <p:cNvPr id="11" name="TextBox 10">
             <a:extLst>
               <a:ext uri="{FF2B5EF4-FFF2-40B4-BE49-F238E27FC236}">
-                <a16:creationId xmlns:a16="http://schemas.microsoft.com/office/drawing/2014/main" id="{C33EF72F-3E05-7A40-AC85-C2F57EA13A07}"/>
+                <a16:creationId xmlns:a16="http://schemas.microsoft.com/office/drawing/2014/main" id="{F913BCD4-8877-6F4C-B496-CD2B559714DE}"/>
               </a:ext>
             </a:extLst>
           </p:cNvPr>
@@ -8411,8 +8840,8 @@
         </p:nvSpPr>
         <p:spPr>
           <a:xfrm>
-            <a:off x="251584" y="5158898"/>
-            <a:ext cx="8786744" cy="830997"/>
+            <a:off x="4018209" y="1607892"/>
+            <a:ext cx="5020120" cy="1569660"/>
           </a:xfrm>
           <a:prstGeom prst="rect">
             <a:avLst/>
@@ -8425,13 +8854,94 @@
           </a:bodyPr>
           <a:lstStyle/>
           <a:p>
-            <a:pPr algn="ctr"/>
             <a:r>
               <a:rPr lang="en-US" sz="2400" dirty="0">
                 <a:latin typeface="Gill Sans Light" panose="020B0302020104020203" pitchFamily="34" charset="-79"/>
                 <a:cs typeface="Gill Sans Light" panose="020B0302020104020203" pitchFamily="34" charset="-79"/>
               </a:rPr>
-              <a:t>Only in 6 cases out of more than 200 configurations gradient compression provides speedup when bandwidth is ~10Gbps</a:t>
+              <a:t>Used Distributed Data Parallel Module(DDP)</a:t>
+            </a:r>
+          </a:p>
+          <a:p>
+            <a:endParaRPr lang="en-US" sz="2400" dirty="0">
+              <a:latin typeface="Gill Sans Light" panose="020B0302020104020203" pitchFamily="34" charset="-79"/>
+              <a:cs typeface="Gill Sans Light" panose="020B0302020104020203" pitchFamily="34" charset="-79"/>
+            </a:endParaRPr>
+          </a:p>
+          <a:p>
+            <a:r>
+              <a:rPr lang="en-US" sz="2400" dirty="0">
+                <a:latin typeface="Gill Sans Light" panose="020B0302020104020203" pitchFamily="34" charset="-79"/>
+                <a:cs typeface="Gill Sans Light" panose="020B0302020104020203" pitchFamily="34" charset="-79"/>
+              </a:rPr>
+              <a:t>An of the shelf library</a:t>
+            </a:r>
+          </a:p>
+        </p:txBody>
+      </p:sp>
+      <p:sp>
+        <p:nvSpPr>
+          <p:cNvPr id="14" name="TextBox 13">
+            <a:extLst>
+              <a:ext uri="{FF2B5EF4-FFF2-40B4-BE49-F238E27FC236}">
+                <a16:creationId xmlns:a16="http://schemas.microsoft.com/office/drawing/2014/main" id="{6169E0D6-3AEB-0043-B74A-4A0662E92A21}"/>
+              </a:ext>
+            </a:extLst>
+          </p:cNvPr>
+          <p:cNvSpPr txBox="1"/>
+          <p:nvPr/>
+        </p:nvSpPr>
+        <p:spPr>
+          <a:xfrm>
+            <a:off x="345584" y="4171542"/>
+            <a:ext cx="8692744" cy="1200329"/>
+          </a:xfrm>
+          <a:prstGeom prst="rect">
+            <a:avLst/>
+          </a:prstGeom>
+          <a:noFill/>
+        </p:spPr>
+        <p:txBody>
+          <a:bodyPr wrap="square" rtlCol="0">
+            <a:spAutoFit/>
+          </a:bodyPr>
+          <a:lstStyle/>
+          <a:p>
+            <a:r>
+              <a:rPr lang="en-US" sz="2400" dirty="0">
+                <a:latin typeface="Gill Sans Light" panose="020B0302020104020203" pitchFamily="34" charset="-79"/>
+                <a:cs typeface="Gill Sans Light" panose="020B0302020104020203" pitchFamily="34" charset="-79"/>
+              </a:rPr>
+              <a:t>Scaled our experiments </a:t>
+            </a:r>
+            <a:r>
+              <a:rPr lang="en-US" sz="2400" dirty="0" err="1">
+                <a:latin typeface="Gill Sans Light" panose="020B0302020104020203" pitchFamily="34" charset="-79"/>
+                <a:cs typeface="Gill Sans Light" panose="020B0302020104020203" pitchFamily="34" charset="-79"/>
+              </a:rPr>
+              <a:t>upto</a:t>
+            </a:r>
+            <a:r>
+              <a:rPr lang="en-US" sz="2400" dirty="0">
+                <a:latin typeface="Gill Sans Light" panose="020B0302020104020203" pitchFamily="34" charset="-79"/>
+                <a:cs typeface="Gill Sans Light" panose="020B0302020104020203" pitchFamily="34" charset="-79"/>
+              </a:rPr>
+              <a:t> 96 GPUs</a:t>
+            </a:r>
+          </a:p>
+          <a:p>
+            <a:endParaRPr lang="en-US" sz="2400" dirty="0">
+              <a:latin typeface="Gill Sans Light" panose="020B0302020104020203" pitchFamily="34" charset="-79"/>
+              <a:cs typeface="Gill Sans Light" panose="020B0302020104020203" pitchFamily="34" charset="-79"/>
+            </a:endParaRPr>
+          </a:p>
+          <a:p>
+            <a:r>
+              <a:rPr lang="en-US" sz="2400" dirty="0">
+                <a:latin typeface="Gill Sans Light" panose="020B0302020104020203" pitchFamily="34" charset="-79"/>
+                <a:cs typeface="Gill Sans Light" panose="020B0302020104020203" pitchFamily="34" charset="-79"/>
+              </a:rPr>
+              <a:t>Used the most optimized implementations </a:t>
             </a:r>
           </a:p>
         </p:txBody>
@@ -8439,7 +8949,7 @@
     </p:spTree>
     <p:extLst>
       <p:ext uri="{BB962C8B-B14F-4D97-AF65-F5344CB8AC3E}">
-        <p14:creationId xmlns:p14="http://schemas.microsoft.com/office/powerpoint/2010/main" val="3873015374"/>
+        <p14:creationId xmlns:p14="http://schemas.microsoft.com/office/powerpoint/2010/main" val="3297627236"/>
       </p:ext>
     </p:extLst>
   </p:cSld>
